--- a/Power_point.pptx
+++ b/Power_point.pptx
@@ -9619,10 +9619,10 @@
               <a:buNone/>
             </a:pPr>
             <a:r>
-              <a:rPr lang="en"/>
+              <a:rPr lang="en" dirty="0"/>
               <a:t>Feature Engineering</a:t>
             </a:r>
-            <a:endParaRPr/>
+            <a:endParaRPr dirty="0"/>
           </a:p>
         </p:txBody>
       </p:sp>
@@ -9691,20 +9691,12 @@
           <a:p>
             <a:pPr marL="285750" indent="-285750"/>
             <a:r>
-              <a:rPr lang="en-US" dirty="0" err="1">
-                <a:latin typeface="Roboto Slab" pitchFamily="2" charset="0"/>
-                <a:ea typeface="Roboto Slab" pitchFamily="2" charset="0"/>
-                <a:cs typeface="Roboto Slab" pitchFamily="2" charset="0"/>
-              </a:rPr>
-              <a:t>Logisitcal</a:t>
-            </a:r>
-            <a:r>
               <a:rPr lang="en-US" dirty="0">
                 <a:latin typeface="Roboto Slab" pitchFamily="2" charset="0"/>
                 <a:ea typeface="Roboto Slab" pitchFamily="2" charset="0"/>
                 <a:cs typeface="Roboto Slab" pitchFamily="2" charset="0"/>
               </a:rPr>
-              <a:t> Regression Model</a:t>
+              <a:t>Logistical Regression Model</a:t>
             </a:r>
           </a:p>
           <a:p>

--- a/Power_point.pptx
+++ b/Power_point.pptx
@@ -24,7 +24,7 @@
     <p:sldId id="271" r:id="rId15"/>
     <p:sldId id="270" r:id="rId16"/>
     <p:sldId id="272" r:id="rId17"/>
-    <p:sldId id="263" r:id="rId18"/>
+    <p:sldId id="273" r:id="rId18"/>
   </p:sldIdLst>
   <p:sldSz cx="9144000" cy="5143500" type="screen16x9"/>
   <p:notesSz cx="6858000" cy="9144000"/>
@@ -1416,110 +1416,6 @@
       <p:sp>
         <p:nvSpPr>
           <p:cNvPr id="99" name="Google Shape;99;g311d4605317_0_27:notes"/>
-          <p:cNvSpPr txBox="1">
-            <a:spLocks noGrp="1"/>
-          </p:cNvSpPr>
-          <p:nvPr>
-            <p:ph type="body" idx="1"/>
-          </p:nvPr>
-        </p:nvSpPr>
-        <p:spPr>
-          <a:xfrm>
-            <a:off x="685800" y="4343400"/>
-            <a:ext cx="5486400" cy="4114800"/>
-          </a:xfrm>
-          <a:prstGeom prst="rect">
-            <a:avLst/>
-          </a:prstGeom>
-        </p:spPr>
-        <p:txBody>
-          <a:bodyPr spcFirstLastPara="1" wrap="square" lIns="91425" tIns="91425" rIns="91425" bIns="91425" anchor="t" anchorCtr="0">
-            <a:noAutofit/>
-          </a:bodyPr>
-          <a:lstStyle/>
-          <a:p>
-            <a:pPr marL="0" lvl="0" indent="0" algn="l" rtl="0">
-              <a:spcBef>
-                <a:spcPts val="0"/>
-              </a:spcBef>
-              <a:spcAft>
-                <a:spcPts val="0"/>
-              </a:spcAft>
-              <a:buNone/>
-            </a:pPr>
-            <a:endParaRPr/>
-          </a:p>
-        </p:txBody>
-      </p:sp>
-    </p:spTree>
-  </p:cSld>
-  <p:clrMapOvr>
-    <a:masterClrMapping/>
-  </p:clrMapOvr>
-</p:notes>
-</file>
-
-<file path=ppt/notesSlides/notesSlide8.xml><?xml version="1.0" encoding="utf-8"?>
-<p:notes xmlns:a="http://schemas.openxmlformats.org/drawingml/2006/main" xmlns:r="http://schemas.openxmlformats.org/officeDocument/2006/relationships" xmlns:p="http://schemas.openxmlformats.org/presentationml/2006/main" showMasterSp="0" showMasterPhAnim="0">
-  <p:cSld>
-    <p:spTree>
-      <p:nvGrpSpPr>
-        <p:cNvPr id="1" name="Shape 103"/>
-        <p:cNvGrpSpPr/>
-        <p:nvPr/>
-      </p:nvGrpSpPr>
-      <p:grpSpPr>
-        <a:xfrm>
-          <a:off x="0" y="0"/>
-          <a:ext cx="0" cy="0"/>
-          <a:chOff x="0" y="0"/>
-          <a:chExt cx="0" cy="0"/>
-        </a:xfrm>
-      </p:grpSpPr>
-      <p:sp>
-        <p:nvSpPr>
-          <p:cNvPr id="104" name="Google Shape;104;g311d4605317_0_32:notes"/>
-          <p:cNvSpPr>
-            <a:spLocks noGrp="1" noRot="1" noChangeAspect="1"/>
-          </p:cNvSpPr>
-          <p:nvPr>
-            <p:ph type="sldImg" idx="2"/>
-          </p:nvPr>
-        </p:nvSpPr>
-        <p:spPr>
-          <a:xfrm>
-            <a:off x="381300" y="685800"/>
-            <a:ext cx="6096000" cy="3429000"/>
-          </a:xfrm>
-          <a:custGeom>
-            <a:avLst/>
-            <a:gdLst/>
-            <a:ahLst/>
-            <a:cxnLst/>
-            <a:rect l="l" t="t" r="r" b="b"/>
-            <a:pathLst>
-              <a:path w="120000" h="120000" extrusionOk="0">
-                <a:moveTo>
-                  <a:pt x="0" y="0"/>
-                </a:moveTo>
-                <a:lnTo>
-                  <a:pt x="120000" y="0"/>
-                </a:lnTo>
-                <a:lnTo>
-                  <a:pt x="120000" y="120000"/>
-                </a:lnTo>
-                <a:lnTo>
-                  <a:pt x="0" y="120000"/>
-                </a:lnTo>
-                <a:close/>
-              </a:path>
-            </a:pathLst>
-          </a:custGeom>
-        </p:spPr>
-      </p:sp>
-      <p:sp>
-        <p:nvSpPr>
-          <p:cNvPr id="105" name="Google Shape;105;g311d4605317_0_32:notes"/>
           <p:cNvSpPr txBox="1">
             <a:spLocks noGrp="1"/>
           </p:cNvSpPr>
@@ -8773,7 +8669,7 @@
   <p:cSld>
     <p:spTree>
       <p:nvGrpSpPr>
-        <p:cNvPr id="1" name="Shape 106"/>
+        <p:cNvPr id="1" name=""/>
         <p:cNvGrpSpPr/>
         <p:nvPr/>
       </p:nvGrpSpPr>
@@ -8787,89 +8683,284 @@
       </p:grpSpPr>
       <p:sp>
         <p:nvSpPr>
-          <p:cNvPr id="107" name="Google Shape;107;p20"/>
-          <p:cNvSpPr txBox="1">
+          <p:cNvPr id="2" name="Title 1">
+            <a:extLst>
+              <a:ext uri="{FF2B5EF4-FFF2-40B4-BE49-F238E27FC236}">
+                <a16:creationId xmlns:a16="http://schemas.microsoft.com/office/drawing/2014/main" id="{1B025422-7BA8-E734-A179-CDFEAA649D80}"/>
+              </a:ext>
+            </a:extLst>
+          </p:cNvPr>
+          <p:cNvSpPr>
             <a:spLocks noGrp="1"/>
           </p:cNvSpPr>
           <p:nvPr>
             <p:ph type="title"/>
           </p:nvPr>
         </p:nvSpPr>
-        <p:spPr>
-          <a:xfrm>
-            <a:off x="387900" y="458025"/>
-            <a:ext cx="8368200" cy="686100"/>
-          </a:xfrm>
-          <a:prstGeom prst="rect">
-            <a:avLst/>
-          </a:prstGeom>
-        </p:spPr>
+        <p:spPr/>
         <p:txBody>
-          <a:bodyPr spcFirstLastPara="1" wrap="square" lIns="91425" tIns="91425" rIns="91425" bIns="91425" anchor="b" anchorCtr="0">
-            <a:normAutofit/>
-          </a:bodyPr>
+          <a:bodyPr/>
           <a:lstStyle/>
           <a:p>
-            <a:pPr marL="0" lvl="0" indent="0" algn="l" rtl="0">
-              <a:spcBef>
-                <a:spcPts val="0"/>
-              </a:spcBef>
-              <a:spcAft>
-                <a:spcPts val="0"/>
-              </a:spcAft>
-              <a:buNone/>
-            </a:pPr>
-            <a:r>
-              <a:rPr lang="en"/>
-              <a:t>Interpretation</a:t>
-            </a:r>
-            <a:endParaRPr/>
+            <a:r>
+              <a:rPr lang="en-US" dirty="0"/>
+              <a:t>Conclusion</a:t>
+            </a:r>
           </a:p>
         </p:txBody>
       </p:sp>
       <p:sp>
         <p:nvSpPr>
-          <p:cNvPr id="108" name="Google Shape;108;p20"/>
-          <p:cNvSpPr txBox="1">
+          <p:cNvPr id="3" name="Text Placeholder 2">
+            <a:extLst>
+              <a:ext uri="{FF2B5EF4-FFF2-40B4-BE49-F238E27FC236}">
+                <a16:creationId xmlns:a16="http://schemas.microsoft.com/office/drawing/2014/main" id="{9E4D3502-CECF-E944-268A-B47676FBA8A2}"/>
+              </a:ext>
+            </a:extLst>
+          </p:cNvPr>
+          <p:cNvSpPr>
             <a:spLocks noGrp="1"/>
           </p:cNvSpPr>
           <p:nvPr>
             <p:ph type="body" idx="1"/>
           </p:nvPr>
         </p:nvSpPr>
-        <p:spPr>
-          <a:xfrm>
-            <a:off x="387900" y="1489824"/>
-            <a:ext cx="8368200" cy="3078900"/>
-          </a:xfrm>
-          <a:prstGeom prst="rect">
-            <a:avLst/>
-          </a:prstGeom>
-        </p:spPr>
+        <p:spPr/>
         <p:txBody>
-          <a:bodyPr spcFirstLastPara="1" wrap="square" lIns="91425" tIns="91425" rIns="91425" bIns="91425" anchor="t" anchorCtr="0">
+          <a:bodyPr>
             <a:normAutofit/>
           </a:bodyPr>
           <a:lstStyle/>
           <a:p>
-            <a:pPr marL="0" lvl="0" indent="0" algn="l" rtl="0">
-              <a:spcBef>
-                <a:spcPts val="0"/>
-              </a:spcBef>
-              <a:spcAft>
-                <a:spcPts val="1200"/>
-              </a:spcAft>
-              <a:buNone/>
-            </a:pPr>
-            <a:r>
-              <a:rPr lang="en"/>
-              <a:t>Analyze feature importance to understand which health factors most influence heart disease risk</a:t>
-            </a:r>
-            <a:endParaRPr/>
+            <a:r>
+              <a:rPr lang="en-US" sz="1300" b="1" i="0" u="none" strike="noStrike" dirty="0">
+                <a:solidFill>
+                  <a:schemeClr val="tx1"/>
+                </a:solidFill>
+                <a:effectLst/>
+                <a:latin typeface="Roboto Slab" pitchFamily="2" charset="0"/>
+                <a:ea typeface="Roboto Slab" pitchFamily="2" charset="0"/>
+                <a:cs typeface="Roboto Slab" pitchFamily="2" charset="0"/>
+              </a:rPr>
+              <a:t>Project Success</a:t>
+            </a:r>
+            <a:r>
+              <a:rPr lang="en-US" sz="1300" b="0" i="0" u="none" strike="noStrike" dirty="0">
+                <a:solidFill>
+                  <a:schemeClr val="tx1"/>
+                </a:solidFill>
+                <a:effectLst/>
+                <a:latin typeface="Roboto Slab" pitchFamily="2" charset="0"/>
+                <a:ea typeface="Roboto Slab" pitchFamily="2" charset="0"/>
+                <a:cs typeface="Roboto Slab" pitchFamily="2" charset="0"/>
+              </a:rPr>
+              <a:t>: Our machine learning models effectively predicted heart disease risk, leveraging key health indicators and demographic factors.</a:t>
+            </a:r>
+          </a:p>
+          <a:p>
+            <a:r>
+              <a:rPr lang="en-US" sz="1300" b="1" i="0" u="none" strike="noStrike" dirty="0">
+                <a:solidFill>
+                  <a:schemeClr val="tx1"/>
+                </a:solidFill>
+                <a:effectLst/>
+                <a:latin typeface="Roboto Slab" pitchFamily="2" charset="0"/>
+                <a:ea typeface="Roboto Slab" pitchFamily="2" charset="0"/>
+                <a:cs typeface="Roboto Slab" pitchFamily="2" charset="0"/>
+              </a:rPr>
+              <a:t>Model Insights</a:t>
+            </a:r>
+            <a:r>
+              <a:rPr lang="en-US" sz="1300" b="0" i="0" u="none" strike="noStrike" dirty="0">
+                <a:solidFill>
+                  <a:schemeClr val="tx1"/>
+                </a:solidFill>
+                <a:effectLst/>
+                <a:latin typeface="Roboto Slab" pitchFamily="2" charset="0"/>
+                <a:ea typeface="Roboto Slab" pitchFamily="2" charset="0"/>
+                <a:cs typeface="Roboto Slab" pitchFamily="2" charset="0"/>
+              </a:rPr>
+              <a:t>:</a:t>
+            </a:r>
+          </a:p>
+          <a:p>
+            <a:pPr marL="742950" lvl="1" indent="-285750"/>
+            <a:r>
+              <a:rPr lang="en-US" sz="1300" b="1" i="0" u="none" strike="noStrike" dirty="0">
+                <a:solidFill>
+                  <a:schemeClr val="tx1"/>
+                </a:solidFill>
+                <a:effectLst/>
+                <a:latin typeface="Roboto Slab" pitchFamily="2" charset="0"/>
+                <a:ea typeface="Roboto Slab" pitchFamily="2" charset="0"/>
+                <a:cs typeface="Roboto Slab" pitchFamily="2" charset="0"/>
+              </a:rPr>
+              <a:t>Logistic Regression</a:t>
+            </a:r>
+            <a:r>
+              <a:rPr lang="en-US" sz="1300" b="0" i="0" u="none" strike="noStrike" dirty="0">
+                <a:solidFill>
+                  <a:schemeClr val="tx1"/>
+                </a:solidFill>
+                <a:effectLst/>
+                <a:latin typeface="Roboto Slab" pitchFamily="2" charset="0"/>
+                <a:ea typeface="Roboto Slab" pitchFamily="2" charset="0"/>
+                <a:cs typeface="Roboto Slab" pitchFamily="2" charset="0"/>
+              </a:rPr>
+              <a:t>: Provided clear interpretability, showing that high blood pressure, cholesterol, smoking history, and physical inactivity are critical predictors.</a:t>
+            </a:r>
+          </a:p>
+          <a:p>
+            <a:pPr marL="742950" lvl="1" indent="-285750"/>
+            <a:r>
+              <a:rPr lang="en-US" sz="1300" b="1" i="0" u="none" strike="noStrike" dirty="0">
+                <a:solidFill>
+                  <a:schemeClr val="tx1"/>
+                </a:solidFill>
+                <a:effectLst/>
+                <a:latin typeface="Roboto Slab" pitchFamily="2" charset="0"/>
+                <a:ea typeface="Roboto Slab" pitchFamily="2" charset="0"/>
+                <a:cs typeface="Roboto Slab" pitchFamily="2" charset="0"/>
+              </a:rPr>
+              <a:t>Random Forest</a:t>
+            </a:r>
+            <a:r>
+              <a:rPr lang="en-US" sz="1300" b="0" i="0" u="none" strike="noStrike" dirty="0">
+                <a:solidFill>
+                  <a:schemeClr val="tx1"/>
+                </a:solidFill>
+                <a:effectLst/>
+                <a:latin typeface="Roboto Slab" pitchFamily="2" charset="0"/>
+                <a:ea typeface="Roboto Slab" pitchFamily="2" charset="0"/>
+                <a:cs typeface="Roboto Slab" pitchFamily="2" charset="0"/>
+              </a:rPr>
+              <a:t>: Captured complex interactions, highlighting high blood pressure, age, and BMI as the most influential predictors.</a:t>
+            </a:r>
+          </a:p>
+          <a:p>
+            <a:r>
+              <a:rPr lang="en-US" sz="1300" b="1" i="0" u="none" strike="noStrike" dirty="0">
+                <a:solidFill>
+                  <a:schemeClr val="tx1"/>
+                </a:solidFill>
+                <a:effectLst/>
+                <a:latin typeface="Roboto Slab" pitchFamily="2" charset="0"/>
+                <a:ea typeface="Roboto Slab" pitchFamily="2" charset="0"/>
+                <a:cs typeface="Roboto Slab" pitchFamily="2" charset="0"/>
+              </a:rPr>
+              <a:t>Impactful Findings</a:t>
+            </a:r>
+            <a:r>
+              <a:rPr lang="en-US" sz="1300" b="0" i="0" u="none" strike="noStrike" dirty="0">
+                <a:solidFill>
+                  <a:schemeClr val="tx1"/>
+                </a:solidFill>
+                <a:effectLst/>
+                <a:latin typeface="Roboto Slab" pitchFamily="2" charset="0"/>
+                <a:ea typeface="Roboto Slab" pitchFamily="2" charset="0"/>
+                <a:cs typeface="Roboto Slab" pitchFamily="2" charset="0"/>
+              </a:rPr>
+              <a:t>: Both models underscored the importance of targeted preventive measures for high-risk groups.</a:t>
+            </a:r>
+          </a:p>
+          <a:p>
+            <a:r>
+              <a:rPr lang="en-US" sz="1300" b="1" i="0" u="none" strike="noStrike" dirty="0">
+                <a:solidFill>
+                  <a:schemeClr val="tx1"/>
+                </a:solidFill>
+                <a:effectLst/>
+                <a:latin typeface="Roboto Slab" pitchFamily="2" charset="0"/>
+                <a:ea typeface="Roboto Slab" pitchFamily="2" charset="0"/>
+                <a:cs typeface="Roboto Slab" pitchFamily="2" charset="0"/>
+              </a:rPr>
+              <a:t>Future Directions</a:t>
+            </a:r>
+            <a:r>
+              <a:rPr lang="en-US" sz="1300" b="0" i="0" u="none" strike="noStrike" dirty="0">
+                <a:solidFill>
+                  <a:schemeClr val="tx1"/>
+                </a:solidFill>
+                <a:effectLst/>
+                <a:latin typeface="Roboto Slab" pitchFamily="2" charset="0"/>
+                <a:ea typeface="Roboto Slab" pitchFamily="2" charset="0"/>
+                <a:cs typeface="Roboto Slab" pitchFamily="2" charset="0"/>
+              </a:rPr>
+              <a:t>:</a:t>
+            </a:r>
+          </a:p>
+          <a:p>
+            <a:pPr marL="742950" lvl="1" indent="-285750"/>
+            <a:r>
+              <a:rPr lang="en-US" sz="1300" b="0" i="0" u="none" strike="noStrike" dirty="0">
+                <a:solidFill>
+                  <a:schemeClr val="tx1"/>
+                </a:solidFill>
+                <a:effectLst/>
+                <a:latin typeface="Roboto Slab" pitchFamily="2" charset="0"/>
+                <a:ea typeface="Roboto Slab" pitchFamily="2" charset="0"/>
+                <a:cs typeface="Roboto Slab" pitchFamily="2" charset="0"/>
+              </a:rPr>
+              <a:t>Explore additional models like </a:t>
+            </a:r>
+            <a:r>
+              <a:rPr lang="en-US" sz="1300" b="0" i="0" u="none" strike="noStrike" dirty="0" err="1">
+                <a:solidFill>
+                  <a:schemeClr val="tx1"/>
+                </a:solidFill>
+                <a:effectLst/>
+                <a:latin typeface="Roboto Slab" pitchFamily="2" charset="0"/>
+                <a:ea typeface="Roboto Slab" pitchFamily="2" charset="0"/>
+                <a:cs typeface="Roboto Slab" pitchFamily="2" charset="0"/>
+              </a:rPr>
+              <a:t>XGBoost</a:t>
+            </a:r>
+            <a:r>
+              <a:rPr lang="en-US" sz="1300" b="0" i="0" u="none" strike="noStrike" dirty="0">
+                <a:solidFill>
+                  <a:schemeClr val="tx1"/>
+                </a:solidFill>
+                <a:effectLst/>
+                <a:latin typeface="Roboto Slab" pitchFamily="2" charset="0"/>
+                <a:ea typeface="Roboto Slab" pitchFamily="2" charset="0"/>
+                <a:cs typeface="Roboto Slab" pitchFamily="2" charset="0"/>
+              </a:rPr>
+              <a:t> for potential improvements.</a:t>
+            </a:r>
+          </a:p>
+          <a:p>
+            <a:pPr marL="742950" lvl="1" indent="-285750"/>
+            <a:r>
+              <a:rPr lang="en-US" sz="1300" b="0" i="0" u="none" strike="noStrike" dirty="0">
+                <a:solidFill>
+                  <a:schemeClr val="tx1"/>
+                </a:solidFill>
+                <a:effectLst/>
+                <a:latin typeface="Roboto Slab" pitchFamily="2" charset="0"/>
+                <a:ea typeface="Roboto Slab" pitchFamily="2" charset="0"/>
+                <a:cs typeface="Roboto Slab" pitchFamily="2" charset="0"/>
+              </a:rPr>
+              <a:t>Apply clustering techniques for deeper analysis of high-risk groups.</a:t>
+            </a:r>
+          </a:p>
+          <a:p>
+            <a:endParaRPr lang="en-US" dirty="0">
+              <a:solidFill>
+                <a:schemeClr val="tx1"/>
+              </a:solidFill>
+              <a:latin typeface="Roboto Slab" pitchFamily="2" charset="0"/>
+              <a:ea typeface="Roboto Slab" pitchFamily="2" charset="0"/>
+              <a:cs typeface="Roboto Slab" pitchFamily="2" charset="0"/>
+            </a:endParaRPr>
           </a:p>
         </p:txBody>
       </p:sp>
     </p:spTree>
+    <p:extLst>
+      <p:ext uri="{BB962C8B-B14F-4D97-AF65-F5344CB8AC3E}">
+        <p14:creationId xmlns:p14="http://schemas.microsoft.com/office/powerpoint/2010/main" val="4185369242"/>
+      </p:ext>
+    </p:extLst>
   </p:cSld>
   <p:clrMapOvr>
     <a:masterClrMapping/>

--- a/Power_point.pptx
+++ b/Power_point.pptx
@@ -5,7 +5,7 @@
     <p:sldMasterId id="2147483659" r:id="rId1"/>
   </p:sldMasterIdLst>
   <p:notesMasterIdLst>
-    <p:notesMasterId r:id="rId19"/>
+    <p:notesMasterId r:id="rId22"/>
   </p:notesMasterIdLst>
   <p:sldIdLst>
     <p:sldId id="256" r:id="rId2"/>
@@ -24,22 +24,25 @@
     <p:sldId id="271" r:id="rId15"/>
     <p:sldId id="270" r:id="rId16"/>
     <p:sldId id="272" r:id="rId17"/>
-    <p:sldId id="273" r:id="rId18"/>
+    <p:sldId id="274" r:id="rId18"/>
+    <p:sldId id="275" r:id="rId19"/>
+    <p:sldId id="276" r:id="rId20"/>
+    <p:sldId id="273" r:id="rId21"/>
   </p:sldIdLst>
   <p:sldSz cx="9144000" cy="5143500" type="screen16x9"/>
   <p:notesSz cx="6858000" cy="9144000"/>
   <p:embeddedFontLst>
     <p:embeddedFont>
       <p:font typeface="Roboto" panose="02000000000000000000" pitchFamily="2" charset="0"/>
-      <p:regular r:id="rId20"/>
-      <p:bold r:id="rId21"/>
-      <p:italic r:id="rId22"/>
-      <p:boldItalic r:id="rId23"/>
+      <p:regular r:id="rId23"/>
+      <p:bold r:id="rId24"/>
+      <p:italic r:id="rId25"/>
+      <p:boldItalic r:id="rId26"/>
     </p:embeddedFont>
     <p:embeddedFont>
       <p:font typeface="Roboto Slab" pitchFamily="2" charset="0"/>
-      <p:regular r:id="rId24"/>
-      <p:bold r:id="rId25"/>
+      <p:regular r:id="rId27"/>
+      <p:bold r:id="rId28"/>
     </p:embeddedFont>
   </p:embeddedFontLst>
   <p:defaultTextStyle>
@@ -8683,10 +8686,136 @@
       </p:grpSpPr>
       <p:sp>
         <p:nvSpPr>
+          <p:cNvPr id="4" name="Title 3">
+            <a:extLst>
+              <a:ext uri="{FF2B5EF4-FFF2-40B4-BE49-F238E27FC236}">
+                <a16:creationId xmlns:a16="http://schemas.microsoft.com/office/drawing/2014/main" id="{DBFABBFA-C5A2-D2F3-B279-1D194F0DF8A8}"/>
+              </a:ext>
+            </a:extLst>
+          </p:cNvPr>
+          <p:cNvSpPr>
+            <a:spLocks noGrp="1"/>
+          </p:cNvSpPr>
+          <p:nvPr>
+            <p:ph type="title"/>
+          </p:nvPr>
+        </p:nvSpPr>
+        <p:spPr/>
+        <p:txBody>
+          <a:bodyPr>
+            <a:normAutofit fontScale="90000"/>
+          </a:bodyPr>
+          <a:lstStyle/>
+          <a:p>
+            <a:r>
+              <a:rPr lang="en-US" dirty="0"/>
+              <a:t>Is high BMI and </a:t>
+            </a:r>
+            <a:r>
+              <a:rPr lang="en-US" dirty="0" err="1"/>
+              <a:t>heartattack</a:t>
+            </a:r>
+            <a:r>
+              <a:rPr lang="en-US" dirty="0"/>
+              <a:t> correlated</a:t>
+            </a:r>
+            <a:br>
+              <a:rPr lang="en-US" dirty="0"/>
+            </a:br>
+            <a:endParaRPr lang="en-US" dirty="0"/>
+          </a:p>
+        </p:txBody>
+      </p:sp>
+      <p:sp>
+        <p:nvSpPr>
+          <p:cNvPr id="5" name="Content Placeholder 4">
+            <a:extLst>
+              <a:ext uri="{FF2B5EF4-FFF2-40B4-BE49-F238E27FC236}">
+                <a16:creationId xmlns:a16="http://schemas.microsoft.com/office/drawing/2014/main" id="{A2535254-AD26-055D-6695-A25B0480861E}"/>
+              </a:ext>
+            </a:extLst>
+          </p:cNvPr>
+          <p:cNvSpPr>
+            <a:spLocks noGrp="1"/>
+          </p:cNvSpPr>
+          <p:nvPr>
+            <p:ph idx="1"/>
+          </p:nvPr>
+        </p:nvSpPr>
+        <p:spPr/>
+        <p:txBody>
+          <a:bodyPr/>
+          <a:lstStyle/>
+          <a:p>
+            <a:pPr marL="0" indent="0">
+              <a:buNone/>
+            </a:pPr>
+            <a:r>
+              <a:rPr lang="en-US" dirty="0"/>
+              <a:t>Assumption: The higher the BMI the Higher the chance of a </a:t>
+            </a:r>
+            <a:r>
+              <a:rPr lang="en-US" dirty="0" err="1"/>
+              <a:t>heartattack</a:t>
+            </a:r>
+            <a:r>
+              <a:rPr lang="en-US" dirty="0"/>
+              <a:t>.</a:t>
+            </a:r>
+          </a:p>
+          <a:p>
+            <a:pPr marL="0" indent="0">
+              <a:buNone/>
+            </a:pPr>
+            <a:endParaRPr lang="en-US" dirty="0"/>
+          </a:p>
+          <a:p>
+            <a:pPr marL="0" indent="0">
+              <a:buNone/>
+            </a:pPr>
+            <a:r>
+              <a:rPr lang="en-US" dirty="0"/>
+              <a:t>Isolating the x from the y which is the Heart Attack Outcome, sets the testing model to look for the differences between those with a normal BMI  and a high BMI.</a:t>
+            </a:r>
+          </a:p>
+        </p:txBody>
+      </p:sp>
+    </p:spTree>
+    <p:extLst>
+      <p:ext uri="{BB962C8B-B14F-4D97-AF65-F5344CB8AC3E}">
+        <p14:creationId xmlns:p14="http://schemas.microsoft.com/office/powerpoint/2010/main" val="329685385"/>
+      </p:ext>
+    </p:extLst>
+  </p:cSld>
+  <p:clrMapOvr>
+    <a:masterClrMapping/>
+  </p:clrMapOvr>
+</p:sld>
+</file>
+
+<file path=ppt/slides/slide18.xml><?xml version="1.0" encoding="utf-8"?>
+<p:sld xmlns:a="http://schemas.openxmlformats.org/drawingml/2006/main" xmlns:r="http://schemas.openxmlformats.org/officeDocument/2006/relationships" xmlns:p="http://schemas.openxmlformats.org/presentationml/2006/main">
+  <p:cSld>
+    <p:spTree>
+      <p:nvGrpSpPr>
+        <p:cNvPr id="1" name=""/>
+        <p:cNvGrpSpPr/>
+        <p:nvPr/>
+      </p:nvGrpSpPr>
+      <p:grpSpPr>
+        <a:xfrm>
+          <a:off x="0" y="0"/>
+          <a:ext cx="0" cy="0"/>
+          <a:chOff x="0" y="0"/>
+          <a:chExt cx="0" cy="0"/>
+        </a:xfrm>
+      </p:grpSpPr>
+      <p:sp>
+        <p:nvSpPr>
           <p:cNvPr id="2" name="Title 1">
             <a:extLst>
               <a:ext uri="{FF2B5EF4-FFF2-40B4-BE49-F238E27FC236}">
-                <a16:creationId xmlns:a16="http://schemas.microsoft.com/office/drawing/2014/main" id="{1B025422-7BA8-E734-A179-CDFEAA649D80}"/>
+                <a16:creationId xmlns:a16="http://schemas.microsoft.com/office/drawing/2014/main" id="{D04D4D4C-483B-921F-FAAA-E983F8B0AEF4}"/>
               </a:ext>
             </a:extLst>
           </p:cNvPr>
@@ -8704,17 +8833,17 @@
           <a:p>
             <a:r>
               <a:rPr lang="en-US" dirty="0"/>
-              <a:t>Conclusion</a:t>
+              <a:t>Logistic Regression</a:t>
             </a:r>
           </a:p>
         </p:txBody>
       </p:sp>
       <p:sp>
         <p:nvSpPr>
-          <p:cNvPr id="3" name="Text Placeholder 2">
+          <p:cNvPr id="3" name="Content Placeholder 2">
             <a:extLst>
               <a:ext uri="{FF2B5EF4-FFF2-40B4-BE49-F238E27FC236}">
-                <a16:creationId xmlns:a16="http://schemas.microsoft.com/office/drawing/2014/main" id="{9E4D3502-CECF-E944-268A-B47676FBA8A2}"/>
+                <a16:creationId xmlns:a16="http://schemas.microsoft.com/office/drawing/2014/main" id="{B8EE3E18-8449-0170-DCF2-C4E6520C6BB4}"/>
               </a:ext>
             </a:extLst>
           </p:cNvPr>
@@ -8722,243 +8851,209 @@
             <a:spLocks noGrp="1"/>
           </p:cNvSpPr>
           <p:nvPr>
-            <p:ph type="body" idx="1"/>
+            <p:ph idx="1"/>
           </p:nvPr>
         </p:nvSpPr>
         <p:spPr/>
         <p:txBody>
-          <a:bodyPr>
-            <a:normAutofit/>
-          </a:bodyPr>
+          <a:bodyPr/>
           <a:lstStyle/>
           <a:p>
             <a:r>
-              <a:rPr lang="en-US" sz="1300" b="1" i="0" u="none" strike="noStrike" dirty="0">
-                <a:solidFill>
-                  <a:schemeClr val="tx1"/>
-                </a:solidFill>
-                <a:effectLst/>
-                <a:latin typeface="Roboto Slab" pitchFamily="2" charset="0"/>
-                <a:ea typeface="Roboto Slab" pitchFamily="2" charset="0"/>
-                <a:cs typeface="Roboto Slab" pitchFamily="2" charset="0"/>
-              </a:rPr>
-              <a:t>Project Success</a:t>
-            </a:r>
-            <a:r>
-              <a:rPr lang="en-US" sz="1300" b="0" i="0" u="none" strike="noStrike" dirty="0">
-                <a:solidFill>
-                  <a:schemeClr val="tx1"/>
-                </a:solidFill>
-                <a:effectLst/>
-                <a:latin typeface="Roboto Slab" pitchFamily="2" charset="0"/>
-                <a:ea typeface="Roboto Slab" pitchFamily="2" charset="0"/>
-                <a:cs typeface="Roboto Slab" pitchFamily="2" charset="0"/>
-              </a:rPr>
-              <a:t>: Our machine learning models effectively predicted heart disease risk, leveraging key health indicators and demographic factors.</a:t>
-            </a:r>
-          </a:p>
-          <a:p>
-            <a:r>
-              <a:rPr lang="en-US" sz="1300" b="1" i="0" u="none" strike="noStrike" dirty="0">
-                <a:solidFill>
-                  <a:schemeClr val="tx1"/>
-                </a:solidFill>
-                <a:effectLst/>
-                <a:latin typeface="Roboto Slab" pitchFamily="2" charset="0"/>
-                <a:ea typeface="Roboto Slab" pitchFamily="2" charset="0"/>
-                <a:cs typeface="Roboto Slab" pitchFamily="2" charset="0"/>
-              </a:rPr>
-              <a:t>Model Insights</a:t>
-            </a:r>
-            <a:r>
-              <a:rPr lang="en-US" sz="1300" b="0" i="0" u="none" strike="noStrike" dirty="0">
-                <a:solidFill>
-                  <a:schemeClr val="tx1"/>
-                </a:solidFill>
-                <a:effectLst/>
-                <a:latin typeface="Roboto Slab" pitchFamily="2" charset="0"/>
-                <a:ea typeface="Roboto Slab" pitchFamily="2" charset="0"/>
-                <a:cs typeface="Roboto Slab" pitchFamily="2" charset="0"/>
-              </a:rPr>
-              <a:t>:</a:t>
-            </a:r>
-          </a:p>
-          <a:p>
-            <a:pPr marL="742950" lvl="1" indent="-285750"/>
-            <a:r>
-              <a:rPr lang="en-US" sz="1300" b="1" i="0" u="none" strike="noStrike" dirty="0">
-                <a:solidFill>
-                  <a:schemeClr val="tx1"/>
-                </a:solidFill>
-                <a:effectLst/>
-                <a:latin typeface="Roboto Slab" pitchFamily="2" charset="0"/>
-                <a:ea typeface="Roboto Slab" pitchFamily="2" charset="0"/>
-                <a:cs typeface="Roboto Slab" pitchFamily="2" charset="0"/>
-              </a:rPr>
-              <a:t>Logistic Regression</a:t>
-            </a:r>
-            <a:r>
-              <a:rPr lang="en-US" sz="1300" b="0" i="0" u="none" strike="noStrike" dirty="0">
-                <a:solidFill>
-                  <a:schemeClr val="tx1"/>
-                </a:solidFill>
-                <a:effectLst/>
-                <a:latin typeface="Roboto Slab" pitchFamily="2" charset="0"/>
-                <a:ea typeface="Roboto Slab" pitchFamily="2" charset="0"/>
-                <a:cs typeface="Roboto Slab" pitchFamily="2" charset="0"/>
-              </a:rPr>
-              <a:t>: Provided clear interpretability, showing that high blood pressure, cholesterol, smoking history, and physical inactivity are critical predictors.</a:t>
-            </a:r>
-          </a:p>
-          <a:p>
-            <a:pPr marL="742950" lvl="1" indent="-285750"/>
-            <a:r>
-              <a:rPr lang="en-US" sz="1300" b="1" i="0" u="none" strike="noStrike" dirty="0">
-                <a:solidFill>
-                  <a:schemeClr val="tx1"/>
-                </a:solidFill>
-                <a:effectLst/>
-                <a:latin typeface="Roboto Slab" pitchFamily="2" charset="0"/>
-                <a:ea typeface="Roboto Slab" pitchFamily="2" charset="0"/>
-                <a:cs typeface="Roboto Slab" pitchFamily="2" charset="0"/>
-              </a:rPr>
-              <a:t>Random Forest</a:t>
-            </a:r>
-            <a:r>
-              <a:rPr lang="en-US" sz="1300" b="0" i="0" u="none" strike="noStrike" dirty="0">
-                <a:solidFill>
-                  <a:schemeClr val="tx1"/>
-                </a:solidFill>
-                <a:effectLst/>
-                <a:latin typeface="Roboto Slab" pitchFamily="2" charset="0"/>
-                <a:ea typeface="Roboto Slab" pitchFamily="2" charset="0"/>
-                <a:cs typeface="Roboto Slab" pitchFamily="2" charset="0"/>
-              </a:rPr>
-              <a:t>: Captured complex interactions, highlighting high blood pressure, age, and BMI as the most influential predictors.</a:t>
-            </a:r>
-          </a:p>
-          <a:p>
-            <a:r>
-              <a:rPr lang="en-US" sz="1300" b="1" i="0" u="none" strike="noStrike" dirty="0">
-                <a:solidFill>
-                  <a:schemeClr val="tx1"/>
-                </a:solidFill>
-                <a:effectLst/>
-                <a:latin typeface="Roboto Slab" pitchFamily="2" charset="0"/>
-                <a:ea typeface="Roboto Slab" pitchFamily="2" charset="0"/>
-                <a:cs typeface="Roboto Slab" pitchFamily="2" charset="0"/>
-              </a:rPr>
-              <a:t>Impactful Findings</a:t>
-            </a:r>
-            <a:r>
-              <a:rPr lang="en-US" sz="1300" b="0" i="0" u="none" strike="noStrike" dirty="0">
-                <a:solidFill>
-                  <a:schemeClr val="tx1"/>
-                </a:solidFill>
-                <a:effectLst/>
-                <a:latin typeface="Roboto Slab" pitchFamily="2" charset="0"/>
-                <a:ea typeface="Roboto Slab" pitchFamily="2" charset="0"/>
-                <a:cs typeface="Roboto Slab" pitchFamily="2" charset="0"/>
-              </a:rPr>
-              <a:t>: Both models underscored the importance of targeted preventive measures for high-risk groups.</a:t>
-            </a:r>
-          </a:p>
-          <a:p>
-            <a:r>
-              <a:rPr lang="en-US" sz="1300" b="1" i="0" u="none" strike="noStrike" dirty="0">
-                <a:solidFill>
-                  <a:schemeClr val="tx1"/>
-                </a:solidFill>
-                <a:effectLst/>
-                <a:latin typeface="Roboto Slab" pitchFamily="2" charset="0"/>
-                <a:ea typeface="Roboto Slab" pitchFamily="2" charset="0"/>
-                <a:cs typeface="Roboto Slab" pitchFamily="2" charset="0"/>
-              </a:rPr>
-              <a:t>Future Directions</a:t>
-            </a:r>
-            <a:r>
-              <a:rPr lang="en-US" sz="1300" b="0" i="0" u="none" strike="noStrike" dirty="0">
-                <a:solidFill>
-                  <a:schemeClr val="tx1"/>
-                </a:solidFill>
-                <a:effectLst/>
-                <a:latin typeface="Roboto Slab" pitchFamily="2" charset="0"/>
-                <a:ea typeface="Roboto Slab" pitchFamily="2" charset="0"/>
-                <a:cs typeface="Roboto Slab" pitchFamily="2" charset="0"/>
-              </a:rPr>
-              <a:t>:</a:t>
-            </a:r>
-          </a:p>
-          <a:p>
-            <a:pPr marL="742950" lvl="1" indent="-285750"/>
-            <a:r>
-              <a:rPr lang="en-US" sz="1300" b="0" i="0" u="none" strike="noStrike" dirty="0">
-                <a:solidFill>
-                  <a:schemeClr val="tx1"/>
-                </a:solidFill>
-                <a:effectLst/>
-                <a:latin typeface="Roboto Slab" pitchFamily="2" charset="0"/>
-                <a:ea typeface="Roboto Slab" pitchFamily="2" charset="0"/>
-                <a:cs typeface="Roboto Slab" pitchFamily="2" charset="0"/>
-              </a:rPr>
-              <a:t>Explore additional models like </a:t>
-            </a:r>
-            <a:r>
-              <a:rPr lang="en-US" sz="1300" b="0" i="0" u="none" strike="noStrike" dirty="0" err="1">
-                <a:solidFill>
-                  <a:schemeClr val="tx1"/>
-                </a:solidFill>
-                <a:effectLst/>
-                <a:latin typeface="Roboto Slab" pitchFamily="2" charset="0"/>
-                <a:ea typeface="Roboto Slab" pitchFamily="2" charset="0"/>
-                <a:cs typeface="Roboto Slab" pitchFamily="2" charset="0"/>
-              </a:rPr>
-              <a:t>XGBoost</a:t>
-            </a:r>
-            <a:r>
-              <a:rPr lang="en-US" sz="1300" b="0" i="0" u="none" strike="noStrike" dirty="0">
-                <a:solidFill>
-                  <a:schemeClr val="tx1"/>
-                </a:solidFill>
-                <a:effectLst/>
-                <a:latin typeface="Roboto Slab" pitchFamily="2" charset="0"/>
-                <a:ea typeface="Roboto Slab" pitchFamily="2" charset="0"/>
-                <a:cs typeface="Roboto Slab" pitchFamily="2" charset="0"/>
-              </a:rPr>
-              <a:t> for potential improvements.</a:t>
-            </a:r>
-          </a:p>
-          <a:p>
-            <a:pPr marL="742950" lvl="1" indent="-285750"/>
-            <a:r>
-              <a:rPr lang="en-US" sz="1300" b="0" i="0" u="none" strike="noStrike" dirty="0">
-                <a:solidFill>
-                  <a:schemeClr val="tx1"/>
-                </a:solidFill>
-                <a:effectLst/>
-                <a:latin typeface="Roboto Slab" pitchFamily="2" charset="0"/>
-                <a:ea typeface="Roboto Slab" pitchFamily="2" charset="0"/>
-                <a:cs typeface="Roboto Slab" pitchFamily="2" charset="0"/>
-              </a:rPr>
-              <a:t>Apply clustering techniques for deeper analysis of high-risk groups.</a:t>
-            </a:r>
-          </a:p>
-          <a:p>
-            <a:endParaRPr lang="en-US" dirty="0">
-              <a:solidFill>
-                <a:schemeClr val="tx1"/>
-              </a:solidFill>
-              <a:latin typeface="Roboto Slab" pitchFamily="2" charset="0"/>
-              <a:ea typeface="Roboto Slab" pitchFamily="2" charset="0"/>
-              <a:cs typeface="Roboto Slab" pitchFamily="2" charset="0"/>
-            </a:endParaRPr>
+              <a:rPr lang="en-US" dirty="0"/>
+              <a:t>This Model was used because there were multiple x variables to take into consideration such as:</a:t>
+            </a:r>
+          </a:p>
+          <a:p>
+            <a:pPr lvl="1"/>
+            <a:r>
+              <a:rPr lang="en-US" dirty="0"/>
+              <a:t>Smoker/Non Smoker</a:t>
+            </a:r>
+          </a:p>
+          <a:p>
+            <a:pPr lvl="1"/>
+            <a:r>
+              <a:rPr lang="en-US" dirty="0"/>
+              <a:t>Exercise</a:t>
+            </a:r>
+          </a:p>
+          <a:p>
+            <a:pPr lvl="1"/>
+            <a:r>
+              <a:rPr lang="en-US" dirty="0"/>
+              <a:t>Eating Habits</a:t>
+            </a:r>
+          </a:p>
+          <a:p>
+            <a:pPr lvl="1"/>
+            <a:r>
+              <a:rPr lang="en-US" dirty="0"/>
+              <a:t>Age</a:t>
+            </a:r>
+          </a:p>
+          <a:p>
+            <a:pPr lvl="1"/>
+            <a:r>
+              <a:rPr lang="en-US" dirty="0" err="1"/>
+              <a:t>Cholestrol</a:t>
+            </a:r>
+            <a:r>
+              <a:rPr lang="en-US" dirty="0"/>
+              <a:t> Levels</a:t>
+            </a:r>
+          </a:p>
+          <a:p>
+            <a:pPr lvl="1"/>
+            <a:r>
+              <a:rPr lang="en-US" dirty="0"/>
+              <a:t>Stroke Yes/No</a:t>
+            </a:r>
+          </a:p>
+          <a:p>
+            <a:pPr lvl="1"/>
+            <a:r>
+              <a:rPr lang="en-US" dirty="0"/>
+              <a:t>Gender</a:t>
+            </a:r>
           </a:p>
         </p:txBody>
       </p:sp>
     </p:spTree>
     <p:extLst>
       <p:ext uri="{BB962C8B-B14F-4D97-AF65-F5344CB8AC3E}">
-        <p14:creationId xmlns:p14="http://schemas.microsoft.com/office/powerpoint/2010/main" val="4185369242"/>
+        <p14:creationId xmlns:p14="http://schemas.microsoft.com/office/powerpoint/2010/main" val="2223335354"/>
+      </p:ext>
+    </p:extLst>
+  </p:cSld>
+  <p:clrMapOvr>
+    <a:masterClrMapping/>
+  </p:clrMapOvr>
+</p:sld>
+</file>
+
+<file path=ppt/slides/slide19.xml><?xml version="1.0" encoding="utf-8"?>
+<p:sld xmlns:a="http://schemas.openxmlformats.org/drawingml/2006/main" xmlns:r="http://schemas.openxmlformats.org/officeDocument/2006/relationships" xmlns:p="http://schemas.openxmlformats.org/presentationml/2006/main">
+  <p:cSld>
+    <p:spTree>
+      <p:nvGrpSpPr>
+        <p:cNvPr id="1" name=""/>
+        <p:cNvGrpSpPr/>
+        <p:nvPr/>
+      </p:nvGrpSpPr>
+      <p:grpSpPr>
+        <a:xfrm>
+          <a:off x="0" y="0"/>
+          <a:ext cx="0" cy="0"/>
+          <a:chOff x="0" y="0"/>
+          <a:chExt cx="0" cy="0"/>
+        </a:xfrm>
+      </p:grpSpPr>
+      <p:sp>
+        <p:nvSpPr>
+          <p:cNvPr id="2" name="Title 1">
+            <a:extLst>
+              <a:ext uri="{FF2B5EF4-FFF2-40B4-BE49-F238E27FC236}">
+                <a16:creationId xmlns:a16="http://schemas.microsoft.com/office/drawing/2014/main" id="{AFA14865-6930-C292-D143-05CD86C2B68B}"/>
+              </a:ext>
+            </a:extLst>
+          </p:cNvPr>
+          <p:cNvSpPr>
+            <a:spLocks noGrp="1"/>
+          </p:cNvSpPr>
+          <p:nvPr>
+            <p:ph type="title"/>
+          </p:nvPr>
+        </p:nvSpPr>
+        <p:spPr/>
+        <p:txBody>
+          <a:bodyPr/>
+          <a:lstStyle/>
+          <a:p>
+            <a:r>
+              <a:rPr lang="en-US" dirty="0"/>
+              <a:t>Testing</a:t>
+            </a:r>
+          </a:p>
+        </p:txBody>
+      </p:sp>
+      <p:sp>
+        <p:nvSpPr>
+          <p:cNvPr id="3" name="Content Placeholder 2">
+            <a:extLst>
+              <a:ext uri="{FF2B5EF4-FFF2-40B4-BE49-F238E27FC236}">
+                <a16:creationId xmlns:a16="http://schemas.microsoft.com/office/drawing/2014/main" id="{06D4B3BE-661B-E412-E3B4-37A2129A8512}"/>
+              </a:ext>
+            </a:extLst>
+          </p:cNvPr>
+          <p:cNvSpPr>
+            <a:spLocks noGrp="1"/>
+          </p:cNvSpPr>
+          <p:nvPr>
+            <p:ph idx="1"/>
+          </p:nvPr>
+        </p:nvSpPr>
+        <p:spPr/>
+        <p:txBody>
+          <a:bodyPr/>
+          <a:lstStyle/>
+          <a:p>
+            <a:r>
+              <a:rPr lang="en-US" dirty="0"/>
+              <a:t>Creating the test:</a:t>
+            </a:r>
+          </a:p>
+          <a:p>
+            <a:pPr lvl="1"/>
+            <a:r>
+              <a:rPr lang="en-US" dirty="0"/>
+              <a:t>The test size is 20%</a:t>
+            </a:r>
+          </a:p>
+          <a:p>
+            <a:pPr lvl="1"/>
+            <a:r>
+              <a:rPr lang="en-US" dirty="0"/>
+              <a:t>Random state = 1</a:t>
+            </a:r>
+          </a:p>
+          <a:p>
+            <a:pPr lvl="1"/>
+            <a:r>
+              <a:rPr lang="en-US" dirty="0"/>
+              <a:t>Verify the size to ensure the data is balanced</a:t>
+            </a:r>
+          </a:p>
+          <a:p>
+            <a:pPr lvl="1"/>
+            <a:endParaRPr lang="en-US" dirty="0"/>
+          </a:p>
+          <a:p>
+            <a:r>
+              <a:rPr lang="en-US" dirty="0"/>
+              <a:t>Training Data:</a:t>
+            </a:r>
+          </a:p>
+          <a:p>
+            <a:pPr lvl="1"/>
+            <a:r>
+              <a:rPr lang="en-US" dirty="0"/>
+              <a:t>Training Score: 90%</a:t>
+            </a:r>
+          </a:p>
+          <a:p>
+            <a:pPr lvl="1"/>
+            <a:r>
+              <a:rPr lang="en-US" dirty="0"/>
+              <a:t>Testing Score: 90%</a:t>
+            </a:r>
+          </a:p>
+        </p:txBody>
+      </p:sp>
+    </p:spTree>
+    <p:extLst>
+      <p:ext uri="{BB962C8B-B14F-4D97-AF65-F5344CB8AC3E}">
+        <p14:creationId xmlns:p14="http://schemas.microsoft.com/office/powerpoint/2010/main" val="3224382811"/>
       </p:ext>
     </p:extLst>
   </p:cSld>
@@ -9085,6 +9180,310 @@
         </p:txBody>
       </p:sp>
     </p:spTree>
+  </p:cSld>
+  <p:clrMapOvr>
+    <a:masterClrMapping/>
+  </p:clrMapOvr>
+</p:sld>
+</file>
+
+<file path=ppt/slides/slide20.xml><?xml version="1.0" encoding="utf-8"?>
+<p:sld xmlns:a="http://schemas.openxmlformats.org/drawingml/2006/main" xmlns:r="http://schemas.openxmlformats.org/officeDocument/2006/relationships" xmlns:p="http://schemas.openxmlformats.org/presentationml/2006/main">
+  <p:cSld>
+    <p:spTree>
+      <p:nvGrpSpPr>
+        <p:cNvPr id="1" name=""/>
+        <p:cNvGrpSpPr/>
+        <p:nvPr/>
+      </p:nvGrpSpPr>
+      <p:grpSpPr>
+        <a:xfrm>
+          <a:off x="0" y="0"/>
+          <a:ext cx="0" cy="0"/>
+          <a:chOff x="0" y="0"/>
+          <a:chExt cx="0" cy="0"/>
+        </a:xfrm>
+      </p:grpSpPr>
+      <p:sp>
+        <p:nvSpPr>
+          <p:cNvPr id="2" name="Title 1">
+            <a:extLst>
+              <a:ext uri="{FF2B5EF4-FFF2-40B4-BE49-F238E27FC236}">
+                <a16:creationId xmlns:a16="http://schemas.microsoft.com/office/drawing/2014/main" id="{1B025422-7BA8-E734-A179-CDFEAA649D80}"/>
+              </a:ext>
+            </a:extLst>
+          </p:cNvPr>
+          <p:cNvSpPr>
+            <a:spLocks noGrp="1"/>
+          </p:cNvSpPr>
+          <p:nvPr>
+            <p:ph type="title"/>
+          </p:nvPr>
+        </p:nvSpPr>
+        <p:spPr/>
+        <p:txBody>
+          <a:bodyPr/>
+          <a:lstStyle/>
+          <a:p>
+            <a:r>
+              <a:rPr lang="en-US" dirty="0"/>
+              <a:t>Conclusion</a:t>
+            </a:r>
+          </a:p>
+        </p:txBody>
+      </p:sp>
+      <p:sp>
+        <p:nvSpPr>
+          <p:cNvPr id="3" name="Text Placeholder 2">
+            <a:extLst>
+              <a:ext uri="{FF2B5EF4-FFF2-40B4-BE49-F238E27FC236}">
+                <a16:creationId xmlns:a16="http://schemas.microsoft.com/office/drawing/2014/main" id="{9E4D3502-CECF-E944-268A-B47676FBA8A2}"/>
+              </a:ext>
+            </a:extLst>
+          </p:cNvPr>
+          <p:cNvSpPr>
+            <a:spLocks noGrp="1"/>
+          </p:cNvSpPr>
+          <p:nvPr>
+            <p:ph type="body" idx="1"/>
+          </p:nvPr>
+        </p:nvSpPr>
+        <p:spPr/>
+        <p:txBody>
+          <a:bodyPr>
+            <a:normAutofit/>
+          </a:bodyPr>
+          <a:lstStyle/>
+          <a:p>
+            <a:r>
+              <a:rPr lang="en-US" sz="1300" b="1" i="0" u="none" strike="noStrike" dirty="0">
+                <a:solidFill>
+                  <a:schemeClr val="tx1"/>
+                </a:solidFill>
+                <a:effectLst/>
+                <a:latin typeface="Roboto Slab" pitchFamily="2" charset="0"/>
+                <a:ea typeface="Roboto Slab" pitchFamily="2" charset="0"/>
+                <a:cs typeface="Roboto Slab" pitchFamily="2" charset="0"/>
+              </a:rPr>
+              <a:t>Project Success</a:t>
+            </a:r>
+            <a:r>
+              <a:rPr lang="en-US" sz="1300" b="0" i="0" u="none" strike="noStrike" dirty="0">
+                <a:solidFill>
+                  <a:schemeClr val="tx1"/>
+                </a:solidFill>
+                <a:effectLst/>
+                <a:latin typeface="Roboto Slab" pitchFamily="2" charset="0"/>
+                <a:ea typeface="Roboto Slab" pitchFamily="2" charset="0"/>
+                <a:cs typeface="Roboto Slab" pitchFamily="2" charset="0"/>
+              </a:rPr>
+              <a:t>: Our machine learning models effectively predicted heart disease risk, leveraging key health indicators and demographic factors.</a:t>
+            </a:r>
+          </a:p>
+          <a:p>
+            <a:r>
+              <a:rPr lang="en-US" sz="1300" b="1" i="0" u="none" strike="noStrike" dirty="0">
+                <a:solidFill>
+                  <a:schemeClr val="tx1"/>
+                </a:solidFill>
+                <a:effectLst/>
+                <a:latin typeface="Roboto Slab" pitchFamily="2" charset="0"/>
+                <a:ea typeface="Roboto Slab" pitchFamily="2" charset="0"/>
+                <a:cs typeface="Roboto Slab" pitchFamily="2" charset="0"/>
+              </a:rPr>
+              <a:t>Model Insights</a:t>
+            </a:r>
+            <a:r>
+              <a:rPr lang="en-US" sz="1300" b="0" i="0" u="none" strike="noStrike" dirty="0">
+                <a:solidFill>
+                  <a:schemeClr val="tx1"/>
+                </a:solidFill>
+                <a:effectLst/>
+                <a:latin typeface="Roboto Slab" pitchFamily="2" charset="0"/>
+                <a:ea typeface="Roboto Slab" pitchFamily="2" charset="0"/>
+                <a:cs typeface="Roboto Slab" pitchFamily="2" charset="0"/>
+              </a:rPr>
+              <a:t>:</a:t>
+            </a:r>
+          </a:p>
+          <a:p>
+            <a:pPr marL="742950" lvl="1" indent="-285750"/>
+            <a:r>
+              <a:rPr lang="en-US" sz="1300" b="1" i="0" u="none" strike="noStrike" dirty="0">
+                <a:solidFill>
+                  <a:schemeClr val="tx1"/>
+                </a:solidFill>
+                <a:effectLst/>
+                <a:latin typeface="Roboto Slab" pitchFamily="2" charset="0"/>
+                <a:ea typeface="Roboto Slab" pitchFamily="2" charset="0"/>
+                <a:cs typeface="Roboto Slab" pitchFamily="2" charset="0"/>
+              </a:rPr>
+              <a:t>Logistic Regression</a:t>
+            </a:r>
+            <a:r>
+              <a:rPr lang="en-US" sz="1300" b="0" i="0" u="none" strike="noStrike" dirty="0">
+                <a:solidFill>
+                  <a:schemeClr val="tx1"/>
+                </a:solidFill>
+                <a:effectLst/>
+                <a:latin typeface="Roboto Slab" pitchFamily="2" charset="0"/>
+                <a:ea typeface="Roboto Slab" pitchFamily="2" charset="0"/>
+                <a:cs typeface="Roboto Slab" pitchFamily="2" charset="0"/>
+              </a:rPr>
+              <a:t>: Provided clear interpretability, showing that high blood pressure, cholesterol, smoking history, and physical inactivity are critical predictors.</a:t>
+            </a:r>
+          </a:p>
+          <a:p>
+            <a:pPr marL="742950" lvl="1" indent="-285750"/>
+            <a:r>
+              <a:rPr lang="en-US" sz="1300" b="1" i="0" u="none" strike="noStrike" dirty="0">
+                <a:solidFill>
+                  <a:schemeClr val="tx1"/>
+                </a:solidFill>
+                <a:effectLst/>
+                <a:latin typeface="Roboto Slab" pitchFamily="2" charset="0"/>
+                <a:ea typeface="Roboto Slab" pitchFamily="2" charset="0"/>
+                <a:cs typeface="Roboto Slab" pitchFamily="2" charset="0"/>
+              </a:rPr>
+              <a:t>Random Forest</a:t>
+            </a:r>
+            <a:r>
+              <a:rPr lang="en-US" sz="1300" b="0" i="0" u="none" strike="noStrike" dirty="0">
+                <a:solidFill>
+                  <a:schemeClr val="tx1"/>
+                </a:solidFill>
+                <a:effectLst/>
+                <a:latin typeface="Roboto Slab" pitchFamily="2" charset="0"/>
+                <a:ea typeface="Roboto Slab" pitchFamily="2" charset="0"/>
+                <a:cs typeface="Roboto Slab" pitchFamily="2" charset="0"/>
+              </a:rPr>
+              <a:t>: Captured complex interactions, highlighting high blood pressure, age, and BMI as the most influential predictors.</a:t>
+            </a:r>
+          </a:p>
+          <a:p>
+            <a:r>
+              <a:rPr lang="en-US" sz="1300" b="1" i="0" u="none" strike="noStrike" dirty="0">
+                <a:solidFill>
+                  <a:schemeClr val="tx1"/>
+                </a:solidFill>
+                <a:effectLst/>
+                <a:latin typeface="Roboto Slab" pitchFamily="2" charset="0"/>
+                <a:ea typeface="Roboto Slab" pitchFamily="2" charset="0"/>
+                <a:cs typeface="Roboto Slab" pitchFamily="2" charset="0"/>
+              </a:rPr>
+              <a:t>Impactful Findings</a:t>
+            </a:r>
+            <a:r>
+              <a:rPr lang="en-US" sz="1300" b="0" i="0" u="none" strike="noStrike" dirty="0">
+                <a:solidFill>
+                  <a:schemeClr val="tx1"/>
+                </a:solidFill>
+                <a:effectLst/>
+                <a:latin typeface="Roboto Slab" pitchFamily="2" charset="0"/>
+                <a:ea typeface="Roboto Slab" pitchFamily="2" charset="0"/>
+                <a:cs typeface="Roboto Slab" pitchFamily="2" charset="0"/>
+              </a:rPr>
+              <a:t>: Both models underscored the importance of targeted preventive measures for high-risk groups.</a:t>
+            </a:r>
+          </a:p>
+          <a:p>
+            <a:r>
+              <a:rPr lang="en-US" sz="1300" b="1" i="0" u="none" strike="noStrike" dirty="0">
+                <a:solidFill>
+                  <a:schemeClr val="tx1"/>
+                </a:solidFill>
+                <a:effectLst/>
+                <a:latin typeface="Roboto Slab" pitchFamily="2" charset="0"/>
+                <a:ea typeface="Roboto Slab" pitchFamily="2" charset="0"/>
+                <a:cs typeface="Roboto Slab" pitchFamily="2" charset="0"/>
+              </a:rPr>
+              <a:t>Future Directions</a:t>
+            </a:r>
+            <a:r>
+              <a:rPr lang="en-US" sz="1300" b="0" i="0" u="none" strike="noStrike" dirty="0">
+                <a:solidFill>
+                  <a:schemeClr val="tx1"/>
+                </a:solidFill>
+                <a:effectLst/>
+                <a:latin typeface="Roboto Slab" pitchFamily="2" charset="0"/>
+                <a:ea typeface="Roboto Slab" pitchFamily="2" charset="0"/>
+                <a:cs typeface="Roboto Slab" pitchFamily="2" charset="0"/>
+              </a:rPr>
+              <a:t>:</a:t>
+            </a:r>
+          </a:p>
+          <a:p>
+            <a:pPr marL="742950" lvl="1" indent="-285750"/>
+            <a:r>
+              <a:rPr lang="en-US" sz="1300" b="0" i="0" u="none" strike="noStrike" dirty="0">
+                <a:solidFill>
+                  <a:schemeClr val="tx1"/>
+                </a:solidFill>
+                <a:effectLst/>
+                <a:latin typeface="Roboto Slab" pitchFamily="2" charset="0"/>
+                <a:ea typeface="Roboto Slab" pitchFamily="2" charset="0"/>
+                <a:cs typeface="Roboto Slab" pitchFamily="2" charset="0"/>
+              </a:rPr>
+              <a:t>Explore additional models like </a:t>
+            </a:r>
+            <a:r>
+              <a:rPr lang="en-US" sz="1300" b="0" i="0" u="none" strike="noStrike" dirty="0" err="1">
+                <a:solidFill>
+                  <a:schemeClr val="tx1"/>
+                </a:solidFill>
+                <a:effectLst/>
+                <a:latin typeface="Roboto Slab" pitchFamily="2" charset="0"/>
+                <a:ea typeface="Roboto Slab" pitchFamily="2" charset="0"/>
+                <a:cs typeface="Roboto Slab" pitchFamily="2" charset="0"/>
+              </a:rPr>
+              <a:t>XGBoost</a:t>
+            </a:r>
+            <a:r>
+              <a:rPr lang="en-US" sz="1300" b="0" i="0" u="none" strike="noStrike" dirty="0">
+                <a:solidFill>
+                  <a:schemeClr val="tx1"/>
+                </a:solidFill>
+                <a:effectLst/>
+                <a:latin typeface="Roboto Slab" pitchFamily="2" charset="0"/>
+                <a:ea typeface="Roboto Slab" pitchFamily="2" charset="0"/>
+                <a:cs typeface="Roboto Slab" pitchFamily="2" charset="0"/>
+              </a:rPr>
+              <a:t> for potential improvements.</a:t>
+            </a:r>
+          </a:p>
+          <a:p>
+            <a:pPr marL="742950" lvl="1" indent="-285750"/>
+            <a:r>
+              <a:rPr lang="en-US" sz="1300" b="0" i="0" u="none" strike="noStrike" dirty="0">
+                <a:solidFill>
+                  <a:schemeClr val="tx1"/>
+                </a:solidFill>
+                <a:effectLst/>
+                <a:latin typeface="Roboto Slab" pitchFamily="2" charset="0"/>
+                <a:ea typeface="Roboto Slab" pitchFamily="2" charset="0"/>
+                <a:cs typeface="Roboto Slab" pitchFamily="2" charset="0"/>
+              </a:rPr>
+              <a:t>Apply clustering techniques for deeper analysis of high-risk groups.</a:t>
+            </a:r>
+          </a:p>
+          <a:p>
+            <a:endParaRPr lang="en-US" dirty="0">
+              <a:solidFill>
+                <a:schemeClr val="tx1"/>
+              </a:solidFill>
+              <a:latin typeface="Roboto Slab" pitchFamily="2" charset="0"/>
+              <a:ea typeface="Roboto Slab" pitchFamily="2" charset="0"/>
+              <a:cs typeface="Roboto Slab" pitchFamily="2" charset="0"/>
+            </a:endParaRPr>
+          </a:p>
+        </p:txBody>
+      </p:sp>
+    </p:spTree>
+    <p:extLst>
+      <p:ext uri="{BB962C8B-B14F-4D97-AF65-F5344CB8AC3E}">
+        <p14:creationId xmlns:p14="http://schemas.microsoft.com/office/powerpoint/2010/main" val="4185369242"/>
+      </p:ext>
+    </p:extLst>
   </p:cSld>
   <p:clrMapOvr>
     <a:masterClrMapping/>

--- a/Power_point.pptx
+++ b/Power_point.pptx
@@ -1075,7 +1075,7 @@
         </p:nvSpPr>
         <p:spPr>
           <a:xfrm>
-            <a:off x="381300" y="685800"/>
+            <a:off x="381000" y="685800"/>
             <a:ext cx="6096000" cy="3429000"/>
           </a:xfrm>
           <a:custGeom>
@@ -9992,32 +9992,40 @@
           </a:bodyPr>
           <a:lstStyle/>
           <a:p>
+            <a:pPr marL="285750" indent="-285750"/>
+            <a:r>
+              <a:rPr lang="en-US" dirty="0"/>
+              <a:t>Load and Clean the Data set we used from Kaggle, finding </a:t>
+            </a:r>
+            <a:r>
+              <a:rPr lang="en-US"/>
+              <a:t>any missing data</a:t>
+            </a:r>
+            <a:endParaRPr lang="en-US" dirty="0"/>
+          </a:p>
+          <a:p>
+            <a:pPr marL="285750" indent="-285750"/>
+            <a:r>
+              <a:rPr lang="en-US" dirty="0"/>
+              <a:t>Data set size is based on survey responses from 253,680 participants</a:t>
+            </a:r>
+            <a:endParaRPr dirty="0"/>
+          </a:p>
+          <a:p>
             <a:pPr marL="0" lvl="0" indent="0" algn="l" rtl="0">
               <a:spcBef>
-                <a:spcPts val="0"/>
-              </a:spcBef>
-              <a:spcAft>
-                <a:spcPts val="0"/>
+                <a:spcPts val="1200"/>
+              </a:spcBef>
+              <a:spcAft>
+                <a:spcPts val="1200"/>
               </a:spcAft>
               <a:buNone/>
             </a:pPr>
-            <a:endParaRPr/>
-          </a:p>
-          <a:p>
-            <a:pPr marL="0" lvl="0" indent="0" algn="l" rtl="0">
-              <a:spcBef>
-                <a:spcPts val="1200"/>
-              </a:spcBef>
-              <a:spcAft>
-                <a:spcPts val="1200"/>
-              </a:spcAft>
-              <a:buNone/>
-            </a:pPr>
-            <a:r>
-              <a:rPr lang="en"/>
-              <a:t>	Load and clean the dataset, handling missing values</a:t>
-            </a:r>
-            <a:endParaRPr/>
+            <a:r>
+              <a:rPr lang="en" dirty="0"/>
+              <a:t>	</a:t>
+            </a:r>
+            <a:endParaRPr dirty="0"/>
           </a:p>
         </p:txBody>
       </p:sp>

--- a/Power_point.pptx
+++ b/Power_point.pptx
@@ -5,7 +5,7 @@
     <p:sldMasterId id="2147483659" r:id="rId1"/>
   </p:sldMasterIdLst>
   <p:notesMasterIdLst>
-    <p:notesMasterId r:id="rId22"/>
+    <p:notesMasterId r:id="rId23"/>
   </p:notesMasterIdLst>
   <p:sldIdLst>
     <p:sldId id="256" r:id="rId2"/>
@@ -24,25 +24,26 @@
     <p:sldId id="271" r:id="rId15"/>
     <p:sldId id="270" r:id="rId16"/>
     <p:sldId id="272" r:id="rId17"/>
-    <p:sldId id="274" r:id="rId18"/>
-    <p:sldId id="275" r:id="rId19"/>
-    <p:sldId id="276" r:id="rId20"/>
-    <p:sldId id="273" r:id="rId21"/>
+    <p:sldId id="277" r:id="rId18"/>
+    <p:sldId id="274" r:id="rId19"/>
+    <p:sldId id="275" r:id="rId20"/>
+    <p:sldId id="276" r:id="rId21"/>
+    <p:sldId id="273" r:id="rId22"/>
   </p:sldIdLst>
   <p:sldSz cx="9144000" cy="5143500" type="screen16x9"/>
   <p:notesSz cx="6858000" cy="9144000"/>
   <p:embeddedFontLst>
     <p:embeddedFont>
       <p:font typeface="Roboto" panose="02000000000000000000" pitchFamily="2" charset="0"/>
-      <p:regular r:id="rId23"/>
-      <p:bold r:id="rId24"/>
-      <p:italic r:id="rId25"/>
-      <p:boldItalic r:id="rId26"/>
+      <p:regular r:id="rId24"/>
+      <p:bold r:id="rId25"/>
+      <p:italic r:id="rId26"/>
+      <p:boldItalic r:id="rId27"/>
     </p:embeddedFont>
     <p:embeddedFont>
       <p:font typeface="Roboto Slab" pitchFamily="2" charset="0"/>
-      <p:regular r:id="rId27"/>
-      <p:bold r:id="rId28"/>
+      <p:regular r:id="rId28"/>
+      <p:bold r:id="rId29"/>
     </p:embeddedFont>
   </p:embeddedFontLst>
   <p:defaultTextStyle>
@@ -8204,13 +8205,20 @@
             <p:ph type="title"/>
           </p:nvPr>
         </p:nvSpPr>
-        <p:spPr/>
+        <p:spPr>
+          <a:xfrm>
+            <a:off x="387900" y="100584"/>
+            <a:ext cx="8368200" cy="686100"/>
+          </a:xfrm>
+        </p:spPr>
         <p:txBody>
-          <a:bodyPr/>
+          <a:bodyPr>
+            <a:normAutofit/>
+          </a:bodyPr>
           <a:lstStyle/>
           <a:p>
             <a:r>
-              <a:rPr lang="en-US" dirty="0"/>
+              <a:rPr lang="en-US" sz="2000" dirty="0"/>
               <a:t>Evaluation Metrics and Heat Maps</a:t>
             </a:r>
           </a:p>
@@ -8232,13 +8240,18 @@
             <p:ph type="body" idx="1"/>
           </p:nvPr>
         </p:nvSpPr>
-        <p:spPr/>
+        <p:spPr>
+          <a:xfrm>
+            <a:off x="315884" y="786684"/>
+            <a:ext cx="8440215" cy="3665662"/>
+          </a:xfrm>
+        </p:spPr>
         <p:txBody>
           <a:bodyPr/>
           <a:lstStyle/>
           <a:p>
             <a:r>
-              <a:rPr lang="en-US" b="0" i="0" dirty="0">
+              <a:rPr lang="en-US" sz="1400" b="0" i="0" dirty="0">
                 <a:solidFill>
                   <a:schemeClr val="tx1"/>
                 </a:solidFill>
@@ -8291,8 +8304,8 @@
         </p:blipFill>
         <p:spPr>
           <a:xfrm>
-            <a:off x="548511" y="2243297"/>
-            <a:ext cx="3932049" cy="2799619"/>
+            <a:off x="24729" y="1472784"/>
+            <a:ext cx="4455831" cy="3570133"/>
           </a:xfrm>
           <a:prstGeom prst="rect">
             <a:avLst/>
@@ -8301,10 +8314,10 @@
       </p:pic>
       <p:pic>
         <p:nvPicPr>
-          <p:cNvPr id="7" name="Picture 6" descr="A chart of different colors&#10;&#10;Description automatically generated">
+          <p:cNvPr id="6" name="Picture 5" descr="A chart of different colors&#10;&#10;Description automatically generated with medium confidence">
             <a:extLst>
               <a:ext uri="{FF2B5EF4-FFF2-40B4-BE49-F238E27FC236}">
-                <a16:creationId xmlns:a16="http://schemas.microsoft.com/office/drawing/2014/main" id="{BF7D7457-50CB-460B-1392-8A0C25F9B171}"/>
+                <a16:creationId xmlns:a16="http://schemas.microsoft.com/office/drawing/2014/main" id="{EDEE3263-7F65-6E46-71BF-20C162914169}"/>
               </a:ext>
             </a:extLst>
           </p:cNvPr>
@@ -8321,8 +8334,8 @@
         </p:blipFill>
         <p:spPr>
           <a:xfrm>
-            <a:off x="4663443" y="1951816"/>
-            <a:ext cx="3328414" cy="3191684"/>
+            <a:off x="4480560" y="1472783"/>
+            <a:ext cx="4566694" cy="3570133"/>
           </a:xfrm>
           <a:prstGeom prst="rect">
             <a:avLst/>
@@ -8625,21 +8638,218 @@
         </p:nvSpPr>
         <p:spPr/>
         <p:txBody>
-          <a:bodyPr/>
+          <a:bodyPr>
+            <a:normAutofit fontScale="70000" lnSpcReduction="20000"/>
+          </a:bodyPr>
           <a:lstStyle/>
           <a:p>
-            <a:r>
-              <a:rPr lang="en-US" b="0" i="0" dirty="0">
+            <a:pPr marL="114300" indent="0">
+              <a:buNone/>
+            </a:pPr>
+            <a:r>
+              <a:rPr lang="en-US" dirty="0">
                 <a:solidFill>
                   <a:schemeClr val="tx1"/>
                 </a:solidFill>
-                <a:effectLst/>
-                <a:latin typeface="Roboto Slab" pitchFamily="2" charset="0"/>
-                <a:ea typeface="Roboto Slab" pitchFamily="2" charset="0"/>
-                <a:cs typeface="Roboto Slab" pitchFamily="2" charset="0"/>
+                <a:latin typeface="Menlo" panose="020B0609030804020204" pitchFamily="49" charset="0"/>
               </a:rPr>
-              <a:t>Random Forest Model Performance: Accuracy: 0.8996 Precision: 0.6788 Recall: 0.0447 F1 Score: 0.0839 Classification Report: precision recall f1-score support 0.0 0.90 1.00 0.95 61847 1.0 0.68 0.04 0.08 7088 accuracy 0.90 68935 macro avg 0.79 0.52 0.52 68935 weighted avg 0.88 0.90 0.86 68935</a:t>
-            </a:r>
+              <a:t>Random Forest Model Performance:</a:t>
+            </a:r>
+          </a:p>
+          <a:p>
+            <a:pPr marL="114300" indent="0">
+              <a:buNone/>
+            </a:pPr>
+            <a:r>
+              <a:rPr lang="en-US" dirty="0">
+                <a:solidFill>
+                  <a:schemeClr val="tx1"/>
+                </a:solidFill>
+                <a:latin typeface="Menlo" panose="020B0609030804020204" pitchFamily="49" charset="0"/>
+              </a:rPr>
+              <a:t>Accuracy: 0.8996</a:t>
+            </a:r>
+          </a:p>
+          <a:p>
+            <a:pPr marL="114300" indent="0">
+              <a:buNone/>
+            </a:pPr>
+            <a:r>
+              <a:rPr lang="en-US" dirty="0">
+                <a:solidFill>
+                  <a:schemeClr val="tx1"/>
+                </a:solidFill>
+                <a:latin typeface="Menlo" panose="020B0609030804020204" pitchFamily="49" charset="0"/>
+              </a:rPr>
+              <a:t>Precision: 0.6788</a:t>
+            </a:r>
+          </a:p>
+          <a:p>
+            <a:pPr marL="114300" indent="0">
+              <a:buNone/>
+            </a:pPr>
+            <a:r>
+              <a:rPr lang="en-US" dirty="0">
+                <a:solidFill>
+                  <a:schemeClr val="tx1"/>
+                </a:solidFill>
+                <a:latin typeface="Menlo" panose="020B0609030804020204" pitchFamily="49" charset="0"/>
+              </a:rPr>
+              <a:t>Recall: 0.0447</a:t>
+            </a:r>
+          </a:p>
+          <a:p>
+            <a:pPr marL="114300" indent="0">
+              <a:buNone/>
+            </a:pPr>
+            <a:r>
+              <a:rPr lang="en-US" dirty="0">
+                <a:solidFill>
+                  <a:schemeClr val="tx1"/>
+                </a:solidFill>
+                <a:latin typeface="Menlo" panose="020B0609030804020204" pitchFamily="49" charset="0"/>
+              </a:rPr>
+              <a:t>F1 Score: 0.0839</a:t>
+            </a:r>
+          </a:p>
+          <a:p>
+            <a:pPr marL="114300" indent="0">
+              <a:buNone/>
+            </a:pPr>
+            <a:endParaRPr lang="en-US" dirty="0">
+              <a:solidFill>
+                <a:schemeClr val="tx1"/>
+              </a:solidFill>
+              <a:latin typeface="Menlo" panose="020B0609030804020204" pitchFamily="49" charset="0"/>
+            </a:endParaRPr>
+          </a:p>
+          <a:p>
+            <a:pPr marL="114300" indent="0">
+              <a:buNone/>
+            </a:pPr>
+            <a:r>
+              <a:rPr lang="en-US" dirty="0">
+                <a:solidFill>
+                  <a:schemeClr val="tx1"/>
+                </a:solidFill>
+                <a:latin typeface="Menlo" panose="020B0609030804020204" pitchFamily="49" charset="0"/>
+              </a:rPr>
+              <a:t>Classification Report:</a:t>
+            </a:r>
+          </a:p>
+          <a:p>
+            <a:pPr marL="114300" indent="0">
+              <a:buNone/>
+            </a:pPr>
+            <a:r>
+              <a:rPr lang="en-US" dirty="0">
+                <a:solidFill>
+                  <a:schemeClr val="tx1"/>
+                </a:solidFill>
+                <a:latin typeface="Menlo" panose="020B0609030804020204" pitchFamily="49" charset="0"/>
+              </a:rPr>
+              <a:t>              precision    recall  f1-score   support</a:t>
+            </a:r>
+          </a:p>
+          <a:p>
+            <a:pPr marL="114300" indent="0">
+              <a:buNone/>
+            </a:pPr>
+            <a:endParaRPr lang="en-US" dirty="0">
+              <a:solidFill>
+                <a:schemeClr val="tx1"/>
+              </a:solidFill>
+              <a:latin typeface="Menlo" panose="020B0609030804020204" pitchFamily="49" charset="0"/>
+            </a:endParaRPr>
+          </a:p>
+          <a:p>
+            <a:pPr marL="114300" indent="0">
+              <a:buNone/>
+            </a:pPr>
+            <a:r>
+              <a:rPr lang="en-US" dirty="0">
+                <a:solidFill>
+                  <a:schemeClr val="tx1"/>
+                </a:solidFill>
+                <a:latin typeface="Menlo" panose="020B0609030804020204" pitchFamily="49" charset="0"/>
+              </a:rPr>
+              <a:t>         0.0       0.90      1.00      0.95     61847</a:t>
+            </a:r>
+          </a:p>
+          <a:p>
+            <a:pPr marL="114300" indent="0">
+              <a:buNone/>
+            </a:pPr>
+            <a:r>
+              <a:rPr lang="en-US" dirty="0">
+                <a:solidFill>
+                  <a:schemeClr val="tx1"/>
+                </a:solidFill>
+                <a:latin typeface="Menlo" panose="020B0609030804020204" pitchFamily="49" charset="0"/>
+              </a:rPr>
+              <a:t>         1.0       0.68      0.04      0.08      7088</a:t>
+            </a:r>
+          </a:p>
+          <a:p>
+            <a:pPr marL="114300" indent="0">
+              <a:buNone/>
+            </a:pPr>
+            <a:endParaRPr lang="en-US" dirty="0">
+              <a:solidFill>
+                <a:schemeClr val="tx1"/>
+              </a:solidFill>
+              <a:latin typeface="Menlo" panose="020B0609030804020204" pitchFamily="49" charset="0"/>
+            </a:endParaRPr>
+          </a:p>
+          <a:p>
+            <a:pPr marL="114300" indent="0">
+              <a:buNone/>
+            </a:pPr>
+            <a:r>
+              <a:rPr lang="en-US" dirty="0">
+                <a:solidFill>
+                  <a:schemeClr val="tx1"/>
+                </a:solidFill>
+                <a:latin typeface="Menlo" panose="020B0609030804020204" pitchFamily="49" charset="0"/>
+              </a:rPr>
+              <a:t>    accuracy                           0.90     68935</a:t>
+            </a:r>
+          </a:p>
+          <a:p>
+            <a:pPr marL="114300" indent="0">
+              <a:buNone/>
+            </a:pPr>
+            <a:r>
+              <a:rPr lang="en-US" dirty="0">
+                <a:solidFill>
+                  <a:schemeClr val="tx1"/>
+                </a:solidFill>
+                <a:latin typeface="Menlo" panose="020B0609030804020204" pitchFamily="49" charset="0"/>
+              </a:rPr>
+              <a:t>   macro avg       0.79      0.52      0.52     68935</a:t>
+            </a:r>
+          </a:p>
+          <a:p>
+            <a:pPr marL="114300" indent="0">
+              <a:buNone/>
+            </a:pPr>
+            <a:r>
+              <a:rPr lang="en-US" dirty="0">
+                <a:solidFill>
+                  <a:schemeClr val="tx1"/>
+                </a:solidFill>
+                <a:latin typeface="Menlo" panose="020B0609030804020204" pitchFamily="49" charset="0"/>
+              </a:rPr>
+              <a:t>weighted avg       0.88      0.90      0.86     68935</a:t>
+            </a:r>
+          </a:p>
+          <a:p>
+            <a:endParaRPr lang="en-US" dirty="0">
+              <a:solidFill>
+                <a:srgbClr val="292929"/>
+              </a:solidFill>
+              <a:latin typeface="Menlo" panose="020B0609030804020204" pitchFamily="49" charset="0"/>
+            </a:endParaRPr>
           </a:p>
           <a:p>
             <a:endParaRPr lang="en-US" dirty="0">
@@ -8668,6 +8878,99 @@
 </file>
 
 <file path=ppt/slides/slide17.xml><?xml version="1.0" encoding="utf-8"?>
+<p:sld xmlns:a="http://schemas.openxmlformats.org/drawingml/2006/main" xmlns:r="http://schemas.openxmlformats.org/officeDocument/2006/relationships" xmlns:p="http://schemas.openxmlformats.org/presentationml/2006/main">
+  <p:cSld>
+    <p:spTree>
+      <p:nvGrpSpPr>
+        <p:cNvPr id="1" name=""/>
+        <p:cNvGrpSpPr/>
+        <p:nvPr/>
+      </p:nvGrpSpPr>
+      <p:grpSpPr>
+        <a:xfrm>
+          <a:off x="0" y="0"/>
+          <a:ext cx="0" cy="0"/>
+          <a:chOff x="0" y="0"/>
+          <a:chExt cx="0" cy="0"/>
+        </a:xfrm>
+      </p:grpSpPr>
+      <p:sp>
+        <p:nvSpPr>
+          <p:cNvPr id="3" name="Text Placeholder 2">
+            <a:extLst>
+              <a:ext uri="{FF2B5EF4-FFF2-40B4-BE49-F238E27FC236}">
+                <a16:creationId xmlns:a16="http://schemas.microsoft.com/office/drawing/2014/main" id="{4D720B9D-93A9-31E7-58B9-AD754FE6355C}"/>
+              </a:ext>
+            </a:extLst>
+          </p:cNvPr>
+          <p:cNvSpPr>
+            <a:spLocks noGrp="1"/>
+          </p:cNvSpPr>
+          <p:nvPr>
+            <p:ph type="body" idx="1"/>
+          </p:nvPr>
+        </p:nvSpPr>
+        <p:spPr>
+          <a:xfrm>
+            <a:off x="0" y="0"/>
+            <a:ext cx="8756100" cy="5143500"/>
+          </a:xfrm>
+        </p:spPr>
+        <p:txBody>
+          <a:bodyPr/>
+          <a:lstStyle/>
+          <a:p>
+            <a:pPr marL="114300" indent="0">
+              <a:buNone/>
+            </a:pPr>
+            <a:endParaRPr lang="en-US" dirty="0"/>
+          </a:p>
+        </p:txBody>
+      </p:sp>
+      <p:pic>
+        <p:nvPicPr>
+          <p:cNvPr id="5" name="Picture 4" descr="A chart of different colors&#10;&#10;Description automatically generated">
+            <a:extLst>
+              <a:ext uri="{FF2B5EF4-FFF2-40B4-BE49-F238E27FC236}">
+                <a16:creationId xmlns:a16="http://schemas.microsoft.com/office/drawing/2014/main" id="{9A63EA38-F068-23CB-3928-2C1EDC1D08E7}"/>
+              </a:ext>
+            </a:extLst>
+          </p:cNvPr>
+          <p:cNvPicPr>
+            <a:picLocks noChangeAspect="1"/>
+          </p:cNvPicPr>
+          <p:nvPr/>
+        </p:nvPicPr>
+        <p:blipFill>
+          <a:blip r:embed="rId2"/>
+          <a:stretch>
+            <a:fillRect/>
+          </a:stretch>
+        </p:blipFill>
+        <p:spPr>
+          <a:xfrm>
+            <a:off x="-50474" y="73685"/>
+            <a:ext cx="8806574" cy="5069815"/>
+          </a:xfrm>
+          <a:prstGeom prst="rect">
+            <a:avLst/>
+          </a:prstGeom>
+        </p:spPr>
+      </p:pic>
+    </p:spTree>
+    <p:extLst>
+      <p:ext uri="{BB962C8B-B14F-4D97-AF65-F5344CB8AC3E}">
+        <p14:creationId xmlns:p14="http://schemas.microsoft.com/office/powerpoint/2010/main" val="3515487604"/>
+      </p:ext>
+    </p:extLst>
+  </p:cSld>
+  <p:clrMapOvr>
+    <a:masterClrMapping/>
+  </p:clrMapOvr>
+</p:sld>
+</file>
+
+<file path=ppt/slides/slide18.xml><?xml version="1.0" encoding="utf-8"?>
 <p:sld xmlns:a="http://schemas.openxmlformats.org/drawingml/2006/main" xmlns:r="http://schemas.openxmlformats.org/officeDocument/2006/relationships" xmlns:p="http://schemas.openxmlformats.org/presentationml/2006/main">
   <p:cSld>
     <p:spTree>
@@ -8793,7 +9096,7 @@
 </p:sld>
 </file>
 
-<file path=ppt/slides/slide18.xml><?xml version="1.0" encoding="utf-8"?>
+<file path=ppt/slides/slide19.xml><?xml version="1.0" encoding="utf-8"?>
 <p:sld xmlns:a="http://schemas.openxmlformats.org/drawingml/2006/main" xmlns:r="http://schemas.openxmlformats.org/officeDocument/2006/relationships" xmlns:p="http://schemas.openxmlformats.org/presentationml/2006/main">
   <p:cSld>
     <p:spTree>
@@ -8923,137 +9226,6 @@
     <p:extLst>
       <p:ext uri="{BB962C8B-B14F-4D97-AF65-F5344CB8AC3E}">
         <p14:creationId xmlns:p14="http://schemas.microsoft.com/office/powerpoint/2010/main" val="2223335354"/>
-      </p:ext>
-    </p:extLst>
-  </p:cSld>
-  <p:clrMapOvr>
-    <a:masterClrMapping/>
-  </p:clrMapOvr>
-</p:sld>
-</file>
-
-<file path=ppt/slides/slide19.xml><?xml version="1.0" encoding="utf-8"?>
-<p:sld xmlns:a="http://schemas.openxmlformats.org/drawingml/2006/main" xmlns:r="http://schemas.openxmlformats.org/officeDocument/2006/relationships" xmlns:p="http://schemas.openxmlformats.org/presentationml/2006/main">
-  <p:cSld>
-    <p:spTree>
-      <p:nvGrpSpPr>
-        <p:cNvPr id="1" name=""/>
-        <p:cNvGrpSpPr/>
-        <p:nvPr/>
-      </p:nvGrpSpPr>
-      <p:grpSpPr>
-        <a:xfrm>
-          <a:off x="0" y="0"/>
-          <a:ext cx="0" cy="0"/>
-          <a:chOff x="0" y="0"/>
-          <a:chExt cx="0" cy="0"/>
-        </a:xfrm>
-      </p:grpSpPr>
-      <p:sp>
-        <p:nvSpPr>
-          <p:cNvPr id="2" name="Title 1">
-            <a:extLst>
-              <a:ext uri="{FF2B5EF4-FFF2-40B4-BE49-F238E27FC236}">
-                <a16:creationId xmlns:a16="http://schemas.microsoft.com/office/drawing/2014/main" id="{AFA14865-6930-C292-D143-05CD86C2B68B}"/>
-              </a:ext>
-            </a:extLst>
-          </p:cNvPr>
-          <p:cNvSpPr>
-            <a:spLocks noGrp="1"/>
-          </p:cNvSpPr>
-          <p:nvPr>
-            <p:ph type="title"/>
-          </p:nvPr>
-        </p:nvSpPr>
-        <p:spPr/>
-        <p:txBody>
-          <a:bodyPr/>
-          <a:lstStyle/>
-          <a:p>
-            <a:r>
-              <a:rPr lang="en-US" dirty="0"/>
-              <a:t>Testing</a:t>
-            </a:r>
-          </a:p>
-        </p:txBody>
-      </p:sp>
-      <p:sp>
-        <p:nvSpPr>
-          <p:cNvPr id="3" name="Content Placeholder 2">
-            <a:extLst>
-              <a:ext uri="{FF2B5EF4-FFF2-40B4-BE49-F238E27FC236}">
-                <a16:creationId xmlns:a16="http://schemas.microsoft.com/office/drawing/2014/main" id="{06D4B3BE-661B-E412-E3B4-37A2129A8512}"/>
-              </a:ext>
-            </a:extLst>
-          </p:cNvPr>
-          <p:cNvSpPr>
-            <a:spLocks noGrp="1"/>
-          </p:cNvSpPr>
-          <p:nvPr>
-            <p:ph idx="1"/>
-          </p:nvPr>
-        </p:nvSpPr>
-        <p:spPr/>
-        <p:txBody>
-          <a:bodyPr/>
-          <a:lstStyle/>
-          <a:p>
-            <a:r>
-              <a:rPr lang="en-US" dirty="0"/>
-              <a:t>Creating the test:</a:t>
-            </a:r>
-          </a:p>
-          <a:p>
-            <a:pPr lvl="1"/>
-            <a:r>
-              <a:rPr lang="en-US" dirty="0"/>
-              <a:t>The test size is 20%</a:t>
-            </a:r>
-          </a:p>
-          <a:p>
-            <a:pPr lvl="1"/>
-            <a:r>
-              <a:rPr lang="en-US" dirty="0"/>
-              <a:t>Random state = 1</a:t>
-            </a:r>
-          </a:p>
-          <a:p>
-            <a:pPr lvl="1"/>
-            <a:r>
-              <a:rPr lang="en-US" dirty="0"/>
-              <a:t>Verify the size to ensure the data is balanced</a:t>
-            </a:r>
-          </a:p>
-          <a:p>
-            <a:pPr lvl="1"/>
-            <a:endParaRPr lang="en-US" dirty="0"/>
-          </a:p>
-          <a:p>
-            <a:r>
-              <a:rPr lang="en-US" dirty="0"/>
-              <a:t>Training Data:</a:t>
-            </a:r>
-          </a:p>
-          <a:p>
-            <a:pPr lvl="1"/>
-            <a:r>
-              <a:rPr lang="en-US" dirty="0"/>
-              <a:t>Training Score: 90%</a:t>
-            </a:r>
-          </a:p>
-          <a:p>
-            <a:pPr lvl="1"/>
-            <a:r>
-              <a:rPr lang="en-US" dirty="0"/>
-              <a:t>Testing Score: 90%</a:t>
-            </a:r>
-          </a:p>
-        </p:txBody>
-      </p:sp>
-    </p:spTree>
-    <p:extLst>
-      <p:ext uri="{BB962C8B-B14F-4D97-AF65-F5344CB8AC3E}">
-        <p14:creationId xmlns:p14="http://schemas.microsoft.com/office/powerpoint/2010/main" val="3224382811"/>
       </p:ext>
     </p:extLst>
   </p:cSld>
@@ -9209,6 +9381,137 @@
           <p:cNvPr id="2" name="Title 1">
             <a:extLst>
               <a:ext uri="{FF2B5EF4-FFF2-40B4-BE49-F238E27FC236}">
+                <a16:creationId xmlns:a16="http://schemas.microsoft.com/office/drawing/2014/main" id="{AFA14865-6930-C292-D143-05CD86C2B68B}"/>
+              </a:ext>
+            </a:extLst>
+          </p:cNvPr>
+          <p:cNvSpPr>
+            <a:spLocks noGrp="1"/>
+          </p:cNvSpPr>
+          <p:nvPr>
+            <p:ph type="title"/>
+          </p:nvPr>
+        </p:nvSpPr>
+        <p:spPr/>
+        <p:txBody>
+          <a:bodyPr/>
+          <a:lstStyle/>
+          <a:p>
+            <a:r>
+              <a:rPr lang="en-US" dirty="0"/>
+              <a:t>Testing</a:t>
+            </a:r>
+          </a:p>
+        </p:txBody>
+      </p:sp>
+      <p:sp>
+        <p:nvSpPr>
+          <p:cNvPr id="3" name="Content Placeholder 2">
+            <a:extLst>
+              <a:ext uri="{FF2B5EF4-FFF2-40B4-BE49-F238E27FC236}">
+                <a16:creationId xmlns:a16="http://schemas.microsoft.com/office/drawing/2014/main" id="{06D4B3BE-661B-E412-E3B4-37A2129A8512}"/>
+              </a:ext>
+            </a:extLst>
+          </p:cNvPr>
+          <p:cNvSpPr>
+            <a:spLocks noGrp="1"/>
+          </p:cNvSpPr>
+          <p:nvPr>
+            <p:ph idx="1"/>
+          </p:nvPr>
+        </p:nvSpPr>
+        <p:spPr/>
+        <p:txBody>
+          <a:bodyPr/>
+          <a:lstStyle/>
+          <a:p>
+            <a:r>
+              <a:rPr lang="en-US" dirty="0"/>
+              <a:t>Creating the test:</a:t>
+            </a:r>
+          </a:p>
+          <a:p>
+            <a:pPr lvl="1"/>
+            <a:r>
+              <a:rPr lang="en-US" dirty="0"/>
+              <a:t>The test size is 20%</a:t>
+            </a:r>
+          </a:p>
+          <a:p>
+            <a:pPr lvl="1"/>
+            <a:r>
+              <a:rPr lang="en-US" dirty="0"/>
+              <a:t>Random state = 1</a:t>
+            </a:r>
+          </a:p>
+          <a:p>
+            <a:pPr lvl="1"/>
+            <a:r>
+              <a:rPr lang="en-US" dirty="0"/>
+              <a:t>Verify the size to ensure the data is balanced</a:t>
+            </a:r>
+          </a:p>
+          <a:p>
+            <a:pPr lvl="1"/>
+            <a:endParaRPr lang="en-US" dirty="0"/>
+          </a:p>
+          <a:p>
+            <a:r>
+              <a:rPr lang="en-US" dirty="0"/>
+              <a:t>Training Data:</a:t>
+            </a:r>
+          </a:p>
+          <a:p>
+            <a:pPr lvl="1"/>
+            <a:r>
+              <a:rPr lang="en-US" dirty="0"/>
+              <a:t>Training Score: 90%</a:t>
+            </a:r>
+          </a:p>
+          <a:p>
+            <a:pPr lvl="1"/>
+            <a:r>
+              <a:rPr lang="en-US" dirty="0"/>
+              <a:t>Testing Score: 90%</a:t>
+            </a:r>
+          </a:p>
+        </p:txBody>
+      </p:sp>
+    </p:spTree>
+    <p:extLst>
+      <p:ext uri="{BB962C8B-B14F-4D97-AF65-F5344CB8AC3E}">
+        <p14:creationId xmlns:p14="http://schemas.microsoft.com/office/powerpoint/2010/main" val="3224382811"/>
+      </p:ext>
+    </p:extLst>
+  </p:cSld>
+  <p:clrMapOvr>
+    <a:masterClrMapping/>
+  </p:clrMapOvr>
+</p:sld>
+</file>
+
+<file path=ppt/slides/slide21.xml><?xml version="1.0" encoding="utf-8"?>
+<p:sld xmlns:a="http://schemas.openxmlformats.org/drawingml/2006/main" xmlns:r="http://schemas.openxmlformats.org/officeDocument/2006/relationships" xmlns:p="http://schemas.openxmlformats.org/presentationml/2006/main">
+  <p:cSld>
+    <p:spTree>
+      <p:nvGrpSpPr>
+        <p:cNvPr id="1" name=""/>
+        <p:cNvGrpSpPr/>
+        <p:nvPr/>
+      </p:nvGrpSpPr>
+      <p:grpSpPr>
+        <a:xfrm>
+          <a:off x="0" y="0"/>
+          <a:ext cx="0" cy="0"/>
+          <a:chOff x="0" y="0"/>
+          <a:chExt cx="0" cy="0"/>
+        </a:xfrm>
+      </p:grpSpPr>
+      <p:sp>
+        <p:nvSpPr>
+          <p:cNvPr id="2" name="Title 1">
+            <a:extLst>
+              <a:ext uri="{FF2B5EF4-FFF2-40B4-BE49-F238E27FC236}">
                 <a16:creationId xmlns:a16="http://schemas.microsoft.com/office/drawing/2014/main" id="{1B025422-7BA8-E734-A179-CDFEAA649D80}"/>
               </a:ext>
             </a:extLst>
@@ -9251,7 +9554,7 @@
         <p:spPr/>
         <p:txBody>
           <a:bodyPr>
-            <a:normAutofit/>
+            <a:normAutofit lnSpcReduction="10000"/>
           </a:bodyPr>
           <a:lstStyle/>
           <a:p>
@@ -9330,7 +9633,30 @@
                 <a:ea typeface="Roboto Slab" pitchFamily="2" charset="0"/>
                 <a:cs typeface="Roboto Slab" pitchFamily="2" charset="0"/>
               </a:rPr>
-              <a:t>: Provided clear interpretability, showing that high blood pressure, cholesterol, smoking history, and physical inactivity are critical predictors.</a:t>
+              <a:t>: Provided clear interpretability, showing that high blood pressure, stroke, high cholesterol, </a:t>
+            </a:r>
+            <a:r>
+              <a:rPr lang="en-US" sz="1300" dirty="0">
+                <a:solidFill>
+                  <a:schemeClr val="tx1"/>
+                </a:solidFill>
+                <a:latin typeface="Roboto Slab" pitchFamily="2" charset="0"/>
+                <a:ea typeface="Roboto Slab" pitchFamily="2" charset="0"/>
+                <a:cs typeface="Roboto Slab" pitchFamily="2" charset="0"/>
+              </a:rPr>
+              <a:t>and gender </a:t>
+            </a:r>
+            <a:r>
+              <a:rPr lang="en-US" sz="1300" b="0" i="0" u="none" strike="noStrike" dirty="0">
+                <a:solidFill>
+                  <a:schemeClr val="tx1"/>
+                </a:solidFill>
+                <a:effectLst/>
+                <a:latin typeface="Roboto Slab" pitchFamily="2" charset="0"/>
+                <a:ea typeface="Roboto Slab" pitchFamily="2" charset="0"/>
+                <a:cs typeface="Roboto Slab" pitchFamily="2" charset="0"/>
+              </a:rPr>
+              <a:t>are critical predictors.</a:t>
             </a:r>
           </a:p>
           <a:p>
@@ -9448,7 +9774,7 @@
                 <a:ea typeface="Roboto Slab" pitchFamily="2" charset="0"/>
                 <a:cs typeface="Roboto Slab" pitchFamily="2" charset="0"/>
               </a:rPr>
-              <a:t> for potential improvements.</a:t>
+              <a:t> or another predictive model for potential improvements.</a:t>
             </a:r>
           </a:p>
           <a:p>
@@ -9995,13 +10321,8 @@
             <a:pPr marL="285750" indent="-285750"/>
             <a:r>
               <a:rPr lang="en-US" dirty="0"/>
-              <a:t>Load and Clean the Data set we used from Kaggle, finding </a:t>
-            </a:r>
-            <a:r>
-              <a:rPr lang="en-US"/>
-              <a:t>any missing data</a:t>
-            </a:r>
-            <a:endParaRPr lang="en-US" dirty="0"/>
+              <a:t>Load and Clean the Data set we used from Kaggle, finding any missing data</a:t>
+            </a:r>
           </a:p>
           <a:p>
             <a:pPr marL="285750" indent="-285750"/>
